--- a/Why learn.pptx
+++ b/Why learn.pptx
@@ -226,7 +226,7 @@
           <a:p>
             <a:fld id="{7BDB706A-95EB-FF43-8358-75EF4D00F4A9}" type="datetimeFigureOut">
               <a:rPr lang="en-US" smtClean="0"/>
-              <a:t>6/18/2015</a:t>
+              <a:t>6/21/2015</a:t>
             </a:fld>
             <a:endParaRPr lang="en-US" dirty="0"/>
           </a:p>
@@ -392,7 +392,7 @@
           <a:p>
             <a:fld id="{07996129-0583-2544-9A80-4530EBDB0541}" type="datetimeFigureOut">
               <a:rPr lang="en-US" smtClean="0"/>
-              <a:t>6/18/2015</a:t>
+              <a:t>6/21/2015</a:t>
             </a:fld>
             <a:endParaRPr lang="en-US" dirty="0"/>
           </a:p>
@@ -1757,7 +1757,7 @@
                 <a:buFont typeface="Arial"/>
                 <a:buNone/>
               </a:pPr>
-              <a:t>6/18/2015</a:t>
+              <a:t>6/21/2015</a:t>
             </a:fld>
             <a:endParaRPr lang="en-US" dirty="0"/>
           </a:p>
@@ -5940,7 +5940,7 @@
                 <a:buFont typeface="Arial"/>
                 <a:buNone/>
               </a:pPr>
-              <a:t>6/18/2015</a:t>
+              <a:t>6/21/2015</a:t>
             </a:fld>
             <a:endParaRPr lang="en-US" dirty="0"/>
           </a:p>
@@ -10052,7 +10052,7 @@
                 <a:buFont typeface="Arial"/>
                 <a:buNone/>
               </a:pPr>
-              <a:t>6/18/2015</a:t>
+              <a:t>6/21/2015</a:t>
             </a:fld>
             <a:endParaRPr lang="en-US" dirty="0"/>
           </a:p>
@@ -12730,7 +12730,7 @@
                 <a:buFont typeface="Arial"/>
                 <a:buNone/>
               </a:pPr>
-              <a:t>6/18/2015</a:t>
+              <a:t>6/21/2015</a:t>
             </a:fld>
             <a:endParaRPr lang="en-US" dirty="0"/>
           </a:p>
@@ -16687,7 +16687,7 @@
                 <a:buFont typeface="Arial"/>
                 <a:buNone/>
               </a:pPr>
-              <a:t>6/18/2015</a:t>
+              <a:t>6/21/2015</a:t>
             </a:fld>
             <a:endParaRPr lang="en-US" dirty="0"/>
           </a:p>
@@ -17255,7 +17255,7 @@
                 <a:buFont typeface="Arial"/>
                 <a:buNone/>
               </a:pPr>
-              <a:t>6/18/2015</a:t>
+              <a:t>6/21/2015</a:t>
             </a:fld>
             <a:endParaRPr lang="en-US" dirty="0"/>
           </a:p>
@@ -17433,7 +17433,7 @@
                 <a:buFont typeface="Arial"/>
                 <a:buNone/>
               </a:pPr>
-              <a:t>6/18/2015</a:t>
+              <a:t>6/21/2015</a:t>
             </a:fld>
             <a:endParaRPr lang="en-US" dirty="0"/>
           </a:p>
@@ -17617,7 +17617,7 @@
                 <a:buFont typeface="Arial"/>
                 <a:buNone/>
               </a:pPr>
-              <a:t>6/18/2015</a:t>
+              <a:t>6/21/2015</a:t>
             </a:fld>
             <a:endParaRPr lang="en-US" dirty="0"/>
           </a:p>
@@ -17793,7 +17793,7 @@
                 <a:buFont typeface="Arial"/>
                 <a:buNone/>
               </a:pPr>
-              <a:t>6/18/2015</a:t>
+              <a:t>6/21/2015</a:t>
             </a:fld>
             <a:endParaRPr lang="en-US" dirty="0"/>
           </a:p>
@@ -18128,7 +18128,7 @@
                 <a:buFont typeface="Arial"/>
                 <a:buNone/>
               </a:pPr>
-              <a:t>6/18/2015</a:t>
+              <a:t>6/21/2015</a:t>
             </a:fld>
             <a:endParaRPr lang="en-US" dirty="0"/>
           </a:p>
@@ -18340,7 +18340,7 @@
                 <a:buFont typeface="Arial"/>
                 <a:buNone/>
               </a:pPr>
-              <a:t>6/18/2015</a:t>
+              <a:t>6/21/2015</a:t>
             </a:fld>
             <a:endParaRPr lang="en-US" dirty="0"/>
           </a:p>
@@ -18675,7 +18675,7 @@
                 <a:buFont typeface="Arial"/>
                 <a:buNone/>
               </a:pPr>
-              <a:t>6/18/2015</a:t>
+              <a:t>6/21/2015</a:t>
             </a:fld>
             <a:endParaRPr lang="en-US" dirty="0"/>
           </a:p>
@@ -34848,7 +34848,15 @@
           <a:p>
             <a:r>
               <a:rPr lang="en-GB" sz="1600" dirty="0" smtClean="0"/>
-              <a:t>C# is evlollving into F# - check C# 7 feature requests</a:t>
+              <a:t>C# is </a:t>
+            </a:r>
+            <a:r>
+              <a:rPr lang="en-GB" sz="1600" dirty="0" smtClean="0"/>
+              <a:t>evolving into </a:t>
+            </a:r>
+            <a:r>
+              <a:rPr lang="en-GB" sz="1600" dirty="0" smtClean="0"/>
+              <a:t>F# - check C# 7 feature requests</a:t>
             </a:r>
           </a:p>
           <a:p>
